--- a/4주차/4주차 - Asignment 3.pptx
+++ b/4주차/4주차 - Asignment 3.pptx
@@ -6134,7 +6134,27 @@
               <a:rPr lang="ko-KR" altLang="en-US" dirty="0"/>
               <a:t>참조</a:t>
             </a:r>
-            <a:endParaRPr lang="en-US" altLang="ko-KR"/>
+            <a:endParaRPr lang="en-US" altLang="ko-KR" dirty="0"/>
+          </a:p>
+          <a:p>
+            <a:pPr lvl="1"/>
+            <a:r>
+              <a:rPr lang="en-US" altLang="ko-KR">
+                <a:hlinkClick r:id="rId2"/>
+              </a:rPr>
+              <a:t>https</a:t>
+            </a:r>
+            <a:r>
+              <a:rPr lang="en-US" altLang="ko-KR">
+                <a:hlinkClick r:id="rId2"/>
+              </a:rPr>
+              <a:t>://github.com/wurikiji/2016-db-programming-fall/blob/master/4%EC%A3%BC%EC%B0%A8/4%EC%A3%BC%EC%B0%A8%20%EA%B3%BC%EC%A0%9C.md</a:t>
+            </a:r>
+            <a:r>
+              <a:rPr lang="en-US" altLang="ko-KR"/>
+              <a:t> </a:t>
+            </a:r>
+            <a:endParaRPr lang="en-US" altLang="ko-KR" dirty="0"/>
           </a:p>
           <a:p>
             <a:pPr lvl="1"/>
